--- a/Andreas_Dietze_VE_Shadervorstellung.pptx
+++ b/Andreas_Dietze_VE_Shadervorstellung.pptx
@@ -521,66 +521,26 @@
           </a:bodyPr>
           <a:lstStyle/>
           <a:p>
-            <a:pPr>
-              <a:buFontTx/>
-              <a:buNone/>
-            </a:pPr>
             <a:r>
               <a:rPr lang="de-DE" dirty="0" smtClean="0"/>
-              <a:t>Das</a:t>
+              <a:t>Präsentation über die</a:t>
             </a:r>
             <a:r>
               <a:rPr lang="de-DE" baseline="0" dirty="0" smtClean="0"/>
-              <a:t> </a:t>
-            </a:r>
-            <a:r>
-              <a:rPr lang="de-DE" dirty="0" smtClean="0"/>
-              <a:t>Ganze ist jetzt</a:t>
-            </a:r>
-            <a:r>
-              <a:rPr lang="de-DE" baseline="0" dirty="0" smtClean="0"/>
-              <a:t> noch nicht all zu technisch von der Umsetzung her beschrieben</a:t>
-            </a:r>
-          </a:p>
-          <a:p>
-            <a:pPr>
-              <a:buFontTx/>
-              <a:buNone/>
-            </a:pPr>
-            <a:endParaRPr lang="de-DE" baseline="0" dirty="0" smtClean="0"/>
-          </a:p>
-          <a:p>
-            <a:pPr>
-              <a:buFontTx/>
-              <a:buNone/>
-            </a:pPr>
-            <a:r>
-              <a:rPr lang="de-DE" baseline="0" dirty="0" smtClean="0"/>
-              <a:t>Darauf wird dann in der Abschlusspräsentation näher eingegangen</a:t>
-            </a:r>
-          </a:p>
-          <a:p>
-            <a:pPr>
-              <a:buFontTx/>
-              <a:buNone/>
-            </a:pPr>
-            <a:endParaRPr lang="de-DE" baseline="0" dirty="0" smtClean="0"/>
-          </a:p>
-          <a:p>
-            <a:pPr>
-              <a:buFontTx/>
-              <a:buNone/>
-            </a:pPr>
+              <a:t> Erstellung weiterer </a:t>
+            </a:r>
             <a:r>
               <a:rPr lang="de-DE" baseline="0" dirty="0" err="1" smtClean="0"/>
               <a:t>Shader</a:t>
             </a:r>
             <a:r>
               <a:rPr lang="de-DE" baseline="0" dirty="0" smtClean="0"/>
-              <a:t> die vorgestellt werden sind</a:t>
-            </a:r>
-          </a:p>
-          <a:p>
+              <a:t> im Rahmen der Prüfung des Moduls Visual </a:t>
+            </a:r>
+            <a:r>
+              <a:rPr lang="de-DE" baseline="0" dirty="0" err="1" smtClean="0"/>
+              <a:t>Effects</a:t>
+            </a:r>
             <a:endParaRPr lang="de-DE" dirty="0"/>
           </a:p>
         </p:txBody>
@@ -603,7 +563,7 @@
             <a:fld id="{22D9D2A5-055C-4A88-B41D-1BC8CD0D817E}" type="slidenum">
               <a:rPr lang="de-DE" smtClean="0"/>
               <a:pPr/>
-              <a:t>2</a:t>
+              <a:t>1</a:t>
             </a:fld>
             <a:endParaRPr lang="de-DE"/>
           </a:p>
@@ -665,6 +625,220 @@
           <a:p>
             <a:r>
               <a:rPr lang="de-DE" dirty="0" smtClean="0"/>
+              <a:t>Distanzermittlung </a:t>
+            </a:r>
+            <a:r>
+              <a:rPr lang="de-DE" dirty="0" err="1" smtClean="0"/>
+              <a:t>finded</a:t>
+            </a:r>
+            <a:r>
+              <a:rPr lang="de-DE" dirty="0" smtClean="0"/>
+              <a:t> letztendlich</a:t>
+            </a:r>
+            <a:r>
+              <a:rPr lang="de-DE" baseline="0" dirty="0" smtClean="0"/>
+              <a:t> nur durch die Überprüfung des Z-Werts (Tiefenwerts) zwischen </a:t>
+            </a:r>
+            <a:r>
+              <a:rPr lang="de-DE" baseline="0" dirty="0" err="1" smtClean="0"/>
+              <a:t>fragment</a:t>
+            </a:r>
+            <a:r>
+              <a:rPr lang="de-DE" baseline="0" dirty="0" smtClean="0"/>
+              <a:t> und </a:t>
+            </a:r>
+            <a:r>
+              <a:rPr lang="de-DE" baseline="0" dirty="0" err="1" smtClean="0"/>
+              <a:t>depthmap</a:t>
+            </a:r>
+            <a:r>
+              <a:rPr lang="de-DE" baseline="0" dirty="0" smtClean="0"/>
+              <a:t> statt</a:t>
+            </a:r>
+          </a:p>
+          <a:p>
+            <a:endParaRPr lang="de-DE" baseline="0" dirty="0" smtClean="0"/>
+          </a:p>
+          <a:p>
+            <a:r>
+              <a:rPr lang="de-DE" baseline="0" dirty="0" smtClean="0"/>
+              <a:t>Überprüfung des Fragments findet im Light- Clip Space statt (MVP-Light * vec4(</a:t>
+            </a:r>
+            <a:r>
+              <a:rPr lang="de-DE" baseline="0" dirty="0" err="1" smtClean="0"/>
+              <a:t>pos</a:t>
+            </a:r>
+            <a:r>
+              <a:rPr lang="de-DE" baseline="0" dirty="0" smtClean="0"/>
+              <a:t>)) -&gt; im VS</a:t>
+            </a:r>
+          </a:p>
+          <a:p>
+            <a:endParaRPr lang="de-DE" baseline="0" dirty="0" smtClean="0"/>
+          </a:p>
+          <a:p>
+            <a:r>
+              <a:rPr lang="de-DE" sz="1200" kern="1200" baseline="0" dirty="0" err="1" smtClean="0">
+                <a:solidFill>
+                  <a:schemeClr val="tx1"/>
+                </a:solidFill>
+                <a:latin typeface="+mn-lt"/>
+                <a:ea typeface="+mn-ea"/>
+                <a:cs typeface="+mn-cs"/>
+              </a:rPr>
+              <a:t>if</a:t>
+            </a:r>
+            <a:r>
+              <a:rPr lang="de-DE" sz="1200" kern="1200" baseline="0" dirty="0" smtClean="0">
+                <a:solidFill>
+                  <a:schemeClr val="tx1"/>
+                </a:solidFill>
+                <a:latin typeface="+mn-lt"/>
+                <a:ea typeface="+mn-ea"/>
+                <a:cs typeface="+mn-cs"/>
+              </a:rPr>
+              <a:t> (</a:t>
+            </a:r>
+            <a:r>
+              <a:rPr lang="de-DE" sz="1200" kern="1200" baseline="0" dirty="0" err="1" smtClean="0">
+                <a:solidFill>
+                  <a:schemeClr val="tx1"/>
+                </a:solidFill>
+                <a:latin typeface="+mn-lt"/>
+                <a:ea typeface="+mn-ea"/>
+                <a:cs typeface="+mn-cs"/>
+              </a:rPr>
+              <a:t>proj.z</a:t>
+            </a:r>
+            <a:r>
+              <a:rPr lang="de-DE" sz="1200" kern="1200" baseline="0" dirty="0" smtClean="0">
+                <a:solidFill>
+                  <a:schemeClr val="tx1"/>
+                </a:solidFill>
+                <a:latin typeface="+mn-lt"/>
+                <a:ea typeface="+mn-ea"/>
+                <a:cs typeface="+mn-cs"/>
+              </a:rPr>
+              <a:t>&gt; </a:t>
+            </a:r>
+            <a:r>
+              <a:rPr lang="de-DE" sz="1200" kern="1200" baseline="0" dirty="0" err="1" smtClean="0">
+                <a:solidFill>
+                  <a:schemeClr val="tx1"/>
+                </a:solidFill>
+                <a:latin typeface="+mn-lt"/>
+                <a:ea typeface="+mn-ea"/>
+                <a:cs typeface="+mn-cs"/>
+              </a:rPr>
+              <a:t>shadowCol.z</a:t>
+            </a:r>
+            <a:r>
+              <a:rPr lang="de-DE" sz="1200" kern="1200" baseline="0" dirty="0" smtClean="0">
+                <a:solidFill>
+                  <a:schemeClr val="tx1"/>
+                </a:solidFill>
+                <a:latin typeface="+mn-lt"/>
+                <a:ea typeface="+mn-ea"/>
+                <a:cs typeface="+mn-cs"/>
+              </a:rPr>
+              <a:t>) finalCol.rgb*= 0.5; </a:t>
+            </a:r>
+            <a:endParaRPr lang="de-DE" baseline="0" dirty="0" smtClean="0"/>
+          </a:p>
+          <a:p>
+            <a:endParaRPr lang="de-DE" baseline="0" dirty="0" smtClean="0"/>
+          </a:p>
+          <a:p>
+            <a:r>
+              <a:rPr lang="de-DE" baseline="0" dirty="0" smtClean="0"/>
+              <a:t>Ausgehend von einer Lichtquelle</a:t>
+            </a:r>
+          </a:p>
+          <a:p>
+            <a:endParaRPr lang="de-DE" dirty="0"/>
+          </a:p>
+        </p:txBody>
+      </p:sp>
+      <p:sp>
+        <p:nvSpPr>
+          <p:cNvPr id="4" name="Foliennummernplatzhalter 3"/>
+          <p:cNvSpPr>
+            <a:spLocks noGrp="1"/>
+          </p:cNvSpPr>
+          <p:nvPr>
+            <p:ph type="sldNum" sz="quarter" idx="10"/>
+          </p:nvPr>
+        </p:nvSpPr>
+        <p:spPr/>
+        <p:txBody>
+          <a:bodyPr/>
+          <a:lstStyle/>
+          <a:p>
+            <a:fld id="{22D9D2A5-055C-4A88-B41D-1BC8CD0D817E}" type="slidenum">
+              <a:rPr lang="de-DE" smtClean="0"/>
+              <a:pPr/>
+              <a:t>10</a:t>
+            </a:fld>
+            <a:endParaRPr lang="de-DE"/>
+          </a:p>
+        </p:txBody>
+      </p:sp>
+    </p:spTree>
+  </p:cSld>
+  <p:clrMapOvr>
+    <a:masterClrMapping/>
+  </p:clrMapOvr>
+</p:notes>
+</file>
+
+<file path=ppt/notesSlides/notesSlide11.xml><?xml version="1.0" encoding="utf-8"?>
+<p:notes xmlns:a="http://schemas.openxmlformats.org/drawingml/2006/main" xmlns:r="http://schemas.openxmlformats.org/officeDocument/2006/relationships" xmlns:p="http://schemas.openxmlformats.org/presentationml/2006/main">
+  <p:cSld>
+    <p:spTree>
+      <p:nvGrpSpPr>
+        <p:cNvPr id="1" name=""/>
+        <p:cNvGrpSpPr/>
+        <p:nvPr/>
+      </p:nvGrpSpPr>
+      <p:grpSpPr>
+        <a:xfrm>
+          <a:off x="0" y="0"/>
+          <a:ext cx="0" cy="0"/>
+          <a:chOff x="0" y="0"/>
+          <a:chExt cx="0" cy="0"/>
+        </a:xfrm>
+      </p:grpSpPr>
+      <p:sp>
+        <p:nvSpPr>
+          <p:cNvPr id="2" name="Folienbildplatzhalter 1"/>
+          <p:cNvSpPr>
+            <a:spLocks noGrp="1" noRot="1" noChangeAspect="1"/>
+          </p:cNvSpPr>
+          <p:nvPr>
+            <p:ph type="sldImg"/>
+          </p:nvPr>
+        </p:nvSpPr>
+        <p:spPr/>
+      </p:sp>
+      <p:sp>
+        <p:nvSpPr>
+          <p:cNvPr id="3" name="Notizenplatzhalter 2"/>
+          <p:cNvSpPr>
+            <a:spLocks noGrp="1"/>
+          </p:cNvSpPr>
+          <p:nvPr>
+            <p:ph type="body" idx="1"/>
+          </p:nvPr>
+        </p:nvSpPr>
+        <p:spPr/>
+        <p:txBody>
+          <a:bodyPr>
+            <a:normAutofit/>
+          </a:bodyPr>
+          <a:lstStyle/>
+          <a:p>
+            <a:r>
+              <a:rPr lang="de-DE" dirty="0" smtClean="0"/>
               <a:t>Hier ist zu beachten,</a:t>
             </a:r>
             <a:r>
@@ -677,11 +851,7 @@
             </a:r>
             <a:r>
               <a:rPr lang="de-DE" baseline="0" dirty="0" smtClean="0"/>
-              <a:t> </a:t>
-            </a:r>
-            <a:r>
-              <a:rPr lang="de-DE" baseline="0" dirty="0" smtClean="0"/>
-              <a:t>oft mittels  </a:t>
+              <a:t> oft mittels  </a:t>
             </a:r>
             <a:r>
               <a:rPr lang="de-DE" baseline="0" dirty="0" err="1" smtClean="0"/>
@@ -786,23 +956,73 @@
           </a:bodyPr>
           <a:lstStyle/>
           <a:p>
+            <a:pPr>
+              <a:buFontTx/>
+              <a:buNone/>
+            </a:pPr>
             <a:r>
               <a:rPr lang="de-DE" dirty="0" smtClean="0"/>
-              <a:t>Koordinatensystem wird benötigt um Vektoren wie z.B. Lichtrichtung</a:t>
+              <a:t>Am Allgemeinen sind dies die </a:t>
+            </a:r>
+            <a:r>
+              <a:rPr lang="de-DE" dirty="0" err="1" smtClean="0"/>
+              <a:t>Shader</a:t>
+            </a:r>
+            <a:r>
+              <a:rPr lang="de-DE" dirty="0" smtClean="0"/>
+              <a:t> die Vorgestellt werden und mit deren Umsetzung ich mich befassen werde</a:t>
+            </a:r>
+          </a:p>
+          <a:p>
+            <a:pPr>
+              <a:buFontTx/>
+              <a:buNone/>
+            </a:pPr>
+            <a:endParaRPr lang="de-DE" dirty="0" smtClean="0"/>
+          </a:p>
+          <a:p>
+            <a:pPr>
+              <a:buFontTx/>
+              <a:buNone/>
+            </a:pPr>
+            <a:r>
+              <a:rPr lang="de-DE" dirty="0" smtClean="0"/>
+              <a:t>Das</a:t>
             </a:r>
             <a:r>
               <a:rPr lang="de-DE" baseline="0" dirty="0" smtClean="0"/>
-              <a:t> in den </a:t>
-            </a:r>
-            <a:r>
-              <a:rPr lang="de-DE" baseline="0" dirty="0" err="1" smtClean="0"/>
-              <a:t>Tangentspace</a:t>
+              <a:t> </a:t>
+            </a:r>
+            <a:r>
+              <a:rPr lang="de-DE" dirty="0" smtClean="0"/>
+              <a:t>Ganze ist jetzt</a:t>
             </a:r>
             <a:r>
               <a:rPr lang="de-DE" baseline="0" dirty="0" smtClean="0"/>
-              <a:t> zu transformieren</a:t>
-            </a:r>
-            <a:endParaRPr lang="de-DE" dirty="0"/>
+              <a:t> noch nicht all zu technisch von der Umsetzung her beschrieben</a:t>
+            </a:r>
+          </a:p>
+          <a:p>
+            <a:pPr>
+              <a:buFontTx/>
+              <a:buNone/>
+            </a:pPr>
+            <a:endParaRPr lang="de-DE" baseline="0" dirty="0" smtClean="0"/>
+          </a:p>
+          <a:p>
+            <a:pPr>
+              <a:buFontTx/>
+              <a:buNone/>
+            </a:pPr>
+            <a:r>
+              <a:rPr lang="de-DE" baseline="0" dirty="0" smtClean="0"/>
+              <a:t>Darauf wird dann in der Abschlusspräsentation näher </a:t>
+            </a:r>
+            <a:r>
+              <a:rPr lang="de-DE" baseline="0" dirty="0" smtClean="0"/>
+              <a:t>eingegangen</a:t>
+            </a:r>
+            <a:endParaRPr lang="de-DE" baseline="0" dirty="0" smtClean="0"/>
           </a:p>
         </p:txBody>
       </p:sp>
@@ -824,7 +1044,7 @@
             <a:fld id="{22D9D2A5-055C-4A88-B41D-1BC8CD0D817E}" type="slidenum">
               <a:rPr lang="de-DE" smtClean="0"/>
               <a:pPr/>
-              <a:t>3</a:t>
+              <a:t>2</a:t>
             </a:fld>
             <a:endParaRPr lang="de-DE"/>
           </a:p>
@@ -884,45 +1104,39 @@
           </a:bodyPr>
           <a:lstStyle/>
           <a:p>
-            <a:pPr marL="0" marR="0" lvl="1" indent="0" algn="l" defTabSz="914400" rtl="0" eaLnBrk="1" fontAlgn="auto" latinLnBrk="0" hangingPunct="1">
-              <a:lnSpc>
-                <a:spcPct val="100000"/>
-              </a:lnSpc>
-              <a:spcBef>
-                <a:spcPts val="0"/>
-              </a:spcBef>
-              <a:spcAft>
-                <a:spcPts val="0"/>
-              </a:spcAft>
-              <a:buClrTx/>
-              <a:buSzTx/>
-              <a:buFontTx/>
-              <a:buNone/>
-              <a:tabLst/>
-              <a:defRPr/>
-            </a:pPr>
             <a:r>
               <a:rPr lang="de-DE" dirty="0" smtClean="0"/>
-              <a:t>Wird noch eine Extension benötigt </a:t>
-            </a:r>
-            <a:r>
-              <a:rPr lang="de-DE" sz="2200" dirty="0" err="1" smtClean="0"/>
-              <a:t>gl.getExtension</a:t>
-            </a:r>
-            <a:r>
-              <a:rPr lang="de-DE" sz="2200" dirty="0" smtClean="0"/>
-              <a:t>("</a:t>
-            </a:r>
-            <a:r>
-              <a:rPr lang="de-DE" sz="2200" dirty="0" err="1" smtClean="0"/>
-              <a:t>OES_standard_derivatives</a:t>
-            </a:r>
-            <a:r>
-              <a:rPr lang="de-DE" sz="2200" dirty="0" smtClean="0"/>
-              <a:t>")</a:t>
-            </a:r>
-          </a:p>
-          <a:p>
+              <a:t>Mit Bumpmapping simulieren wir</a:t>
+            </a:r>
+            <a:r>
+              <a:rPr lang="de-DE" baseline="0" dirty="0" smtClean="0"/>
+              <a:t> Oberflächenunebenheiten</a:t>
+            </a:r>
+          </a:p>
+          <a:p>
+            <a:endParaRPr lang="de-DE" dirty="0" smtClean="0"/>
+          </a:p>
+          <a:p>
+            <a:r>
+              <a:rPr lang="de-DE" dirty="0" smtClean="0"/>
+              <a:t>Koordinatensystem </a:t>
+            </a:r>
+            <a:r>
+              <a:rPr lang="de-DE" dirty="0" smtClean="0"/>
+              <a:t>wird benötigt um Vektoren wie z.B. Lichtrichtung</a:t>
+            </a:r>
+            <a:r>
+              <a:rPr lang="de-DE" baseline="0" dirty="0" smtClean="0"/>
+              <a:t> in den </a:t>
+            </a:r>
+            <a:r>
+              <a:rPr lang="de-DE" baseline="0" dirty="0" err="1" smtClean="0"/>
+              <a:t>Tangentspace</a:t>
+            </a:r>
+            <a:r>
+              <a:rPr lang="de-DE" baseline="0" dirty="0" smtClean="0"/>
+              <a:t> zu transformieren</a:t>
+            </a:r>
             <a:endParaRPr lang="de-DE" dirty="0"/>
           </a:p>
         </p:txBody>
@@ -945,7 +1159,7 @@
             <a:fld id="{22D9D2A5-055C-4A88-B41D-1BC8CD0D817E}" type="slidenum">
               <a:rPr lang="de-DE" smtClean="0"/>
               <a:pPr/>
-              <a:t>4</a:t>
+              <a:t>3</a:t>
             </a:fld>
             <a:endParaRPr lang="de-DE"/>
           </a:p>
@@ -1005,47 +1219,45 @@
           </a:bodyPr>
           <a:lstStyle/>
           <a:p>
+            <a:pPr marL="0" marR="0" lvl="1" indent="0" algn="l" defTabSz="914400" rtl="0" eaLnBrk="1" fontAlgn="auto" latinLnBrk="0" hangingPunct="1">
+              <a:lnSpc>
+                <a:spcPct val="100000"/>
+              </a:lnSpc>
+              <a:spcBef>
+                <a:spcPts val="0"/>
+              </a:spcBef>
+              <a:spcAft>
+                <a:spcPts val="0"/>
+              </a:spcAft>
+              <a:buClrTx/>
+              <a:buSzTx/>
+              <a:buFontTx/>
+              <a:buNone/>
+              <a:tabLst/>
+              <a:defRPr/>
+            </a:pPr>
             <a:r>
               <a:rPr lang="de-DE" dirty="0" smtClean="0"/>
-              <a:t>Vom</a:t>
-            </a:r>
-            <a:r>
-              <a:rPr lang="de-DE" baseline="0" dirty="0" smtClean="0"/>
-              <a:t> </a:t>
-            </a:r>
-            <a:r>
-              <a:rPr lang="de-DE" baseline="0" dirty="0" err="1" smtClean="0"/>
-              <a:t>Objectspace</a:t>
-            </a:r>
-            <a:r>
-              <a:rPr lang="de-DE" baseline="0" dirty="0" smtClean="0"/>
-              <a:t> ausgehend da das </a:t>
-            </a:r>
-            <a:r>
-              <a:rPr lang="de-DE" baseline="0" dirty="0" err="1" smtClean="0"/>
-              <a:t>Koordsystem</a:t>
-            </a:r>
-            <a:r>
-              <a:rPr lang="de-DE" baseline="0" dirty="0" smtClean="0"/>
-              <a:t> ausgehend von der Oberfläche eines Vertex aufgebaut wird</a:t>
-            </a:r>
-          </a:p>
-          <a:p>
-            <a:endParaRPr lang="de-DE" baseline="0" dirty="0" smtClean="0"/>
-          </a:p>
-          <a:p>
-            <a:r>
-              <a:rPr lang="de-DE" baseline="0" dirty="0" smtClean="0"/>
-              <a:t>Zudem wird die TBN-Matrix für die Transformation von Vektoren (Licht, Kamera) in den </a:t>
-            </a:r>
-            <a:r>
-              <a:rPr lang="de-DE" baseline="0" dirty="0" err="1" smtClean="0"/>
-              <a:t>Tangentspace</a:t>
-            </a:r>
-            <a:r>
-              <a:rPr lang="de-DE" baseline="0" dirty="0" smtClean="0"/>
-              <a:t> benötigt</a:t>
-            </a:r>
+              <a:t>Wird noch eine Extension benötigt </a:t>
+            </a:r>
+            <a:r>
+              <a:rPr lang="de-DE" sz="2200" dirty="0" err="1" smtClean="0"/>
+              <a:t>gl.getExtension</a:t>
+            </a:r>
+            <a:r>
+              <a:rPr lang="de-DE" sz="2200" dirty="0" smtClean="0"/>
+              <a:t>("</a:t>
+            </a:r>
+            <a:r>
+              <a:rPr lang="de-DE" sz="2200" dirty="0" err="1" smtClean="0"/>
+              <a:t>OES_standard_derivatives</a:t>
+            </a:r>
+            <a:r>
+              <a:rPr lang="de-DE" sz="2200" dirty="0" smtClean="0"/>
+              <a:t>")</a:t>
+            </a:r>
+          </a:p>
+          <a:p>
             <a:endParaRPr lang="de-DE" dirty="0"/>
           </a:p>
         </p:txBody>
@@ -1068,7 +1280,7 @@
             <a:fld id="{22D9D2A5-055C-4A88-B41D-1BC8CD0D817E}" type="slidenum">
               <a:rPr lang="de-DE" smtClean="0"/>
               <a:pPr/>
-              <a:t>5</a:t>
+              <a:t>4</a:t>
             </a:fld>
             <a:endParaRPr lang="de-DE"/>
           </a:p>
@@ -1130,7 +1342,7 @@
           <a:p>
             <a:r>
               <a:rPr lang="de-DE" dirty="0" smtClean="0"/>
-              <a:t>Für das erstellen von der</a:t>
+              <a:t>Vom</a:t>
             </a:r>
             <a:r>
               <a:rPr lang="de-DE" baseline="0" dirty="0" smtClean="0"/>
@@ -1138,19 +1350,19 @@
             </a:r>
             <a:r>
               <a:rPr lang="de-DE" baseline="0" dirty="0" err="1" smtClean="0"/>
-              <a:t>Normalsmaps</a:t>
+              <a:t>Objectspace</a:t>
             </a:r>
             <a:r>
               <a:rPr lang="de-DE" baseline="0" dirty="0" smtClean="0"/>
-              <a:t> wird ein </a:t>
+              <a:t> ausgehend da das </a:t>
             </a:r>
             <a:r>
               <a:rPr lang="de-DE" baseline="0" dirty="0" err="1" smtClean="0"/>
-              <a:t>Plugin</a:t>
+              <a:t>Koordsystem</a:t>
             </a:r>
             <a:r>
               <a:rPr lang="de-DE" baseline="0" dirty="0" smtClean="0"/>
-              <a:t> für das Programm GIMP verwendet</a:t>
+              <a:t> ausgehend von der Oberfläche eines Vertex aufgebaut wird</a:t>
             </a:r>
           </a:p>
           <a:p>
@@ -1159,32 +1371,15 @@
           <a:p>
             <a:r>
               <a:rPr lang="de-DE" baseline="0" dirty="0" smtClean="0"/>
-              <a:t>Ermöglicht zudem noch das Erstellen von weiteren Texturen für </a:t>
+              <a:t>Zudem wird die TBN-Matrix für die Transformation von Vektoren (Licht, Kamera) in den </a:t>
             </a:r>
             <a:r>
               <a:rPr lang="de-DE" baseline="0" dirty="0" err="1" smtClean="0"/>
-              <a:t>event</a:t>
+              <a:t>Tangentspace</a:t>
             </a:r>
             <a:r>
               <a:rPr lang="de-DE" baseline="0" dirty="0" smtClean="0"/>
-              <a:t>. weitere Experimente</a:t>
-            </a:r>
-          </a:p>
-          <a:p>
-            <a:endParaRPr lang="de-DE" baseline="0" dirty="0" smtClean="0"/>
-          </a:p>
-          <a:p>
-            <a:r>
-              <a:rPr lang="de-DE" baseline="0" dirty="0" smtClean="0"/>
-              <a:t>Insgesamt sehr empfehlenswertes </a:t>
-            </a:r>
-            <a:r>
-              <a:rPr lang="de-DE" baseline="0" dirty="0" err="1" smtClean="0"/>
-              <a:t>Plugin</a:t>
-            </a:r>
-            <a:r>
-              <a:rPr lang="de-DE" baseline="0" dirty="0" smtClean="0"/>
-              <a:t> für GIMP</a:t>
+              <a:t> benötigt</a:t>
             </a:r>
             <a:endParaRPr lang="de-DE" dirty="0"/>
           </a:p>
@@ -1208,7 +1403,7 @@
             <a:fld id="{22D9D2A5-055C-4A88-B41D-1BC8CD0D817E}" type="slidenum">
               <a:rPr lang="de-DE" smtClean="0"/>
               <a:pPr/>
-              <a:t>6</a:t>
+              <a:t>5</a:t>
             </a:fld>
             <a:endParaRPr lang="de-DE"/>
           </a:p>
@@ -1270,11 +1465,27 @@
           <a:p>
             <a:r>
               <a:rPr lang="de-DE" dirty="0" smtClean="0"/>
-              <a:t>Blauverschiebung entsteht</a:t>
+              <a:t>Für das erstellen von der</a:t>
             </a:r>
             <a:r>
               <a:rPr lang="de-DE" baseline="0" dirty="0" smtClean="0"/>
-              <a:t> durch die Z-Ausrichtung der Normalen innerhalb der RGB-Werte (hoher Z-Anteil)</a:t>
+              <a:t> </a:t>
+            </a:r>
+            <a:r>
+              <a:rPr lang="de-DE" baseline="0" dirty="0" err="1" smtClean="0"/>
+              <a:t>Normalsmaps</a:t>
+            </a:r>
+            <a:r>
+              <a:rPr lang="de-DE" baseline="0" dirty="0" smtClean="0"/>
+              <a:t> wird ein </a:t>
+            </a:r>
+            <a:r>
+              <a:rPr lang="de-DE" baseline="0" dirty="0" err="1" smtClean="0"/>
+              <a:t>Plugin</a:t>
+            </a:r>
+            <a:r>
+              <a:rPr lang="de-DE" baseline="0" dirty="0" smtClean="0"/>
+              <a:t> für das Programm GIMP verwendet</a:t>
             </a:r>
           </a:p>
           <a:p>
@@ -1283,15 +1494,32 @@
           <a:p>
             <a:r>
               <a:rPr lang="de-DE" baseline="0" dirty="0" smtClean="0"/>
-              <a:t>Farbvektor ist </a:t>
+              <a:t>Ermöglicht zudem noch das Erstellen von weiteren Texturen für </a:t>
             </a:r>
             <a:r>
               <a:rPr lang="de-DE" baseline="0" dirty="0" err="1" smtClean="0"/>
-              <a:t>ansich</a:t>
+              <a:t>event</a:t>
             </a:r>
             <a:r>
               <a:rPr lang="de-DE" baseline="0" dirty="0" smtClean="0"/>
-              <a:t> schon ein normierter Vektor durch RGB-Werte von 0-1</a:t>
+              <a:t>. weitere Experimente</a:t>
+            </a:r>
+          </a:p>
+          <a:p>
+            <a:endParaRPr lang="de-DE" baseline="0" dirty="0" smtClean="0"/>
+          </a:p>
+          <a:p>
+            <a:r>
+              <a:rPr lang="de-DE" baseline="0" dirty="0" smtClean="0"/>
+              <a:t>Insgesamt sehr empfehlenswertes </a:t>
+            </a:r>
+            <a:r>
+              <a:rPr lang="de-DE" baseline="0" dirty="0" err="1" smtClean="0"/>
+              <a:t>Plugin</a:t>
+            </a:r>
+            <a:r>
+              <a:rPr lang="de-DE" baseline="0" dirty="0" smtClean="0"/>
+              <a:t> für GIMP</a:t>
             </a:r>
             <a:endParaRPr lang="de-DE" dirty="0"/>
           </a:p>
@@ -1315,7 +1543,7 @@
             <a:fld id="{22D9D2A5-055C-4A88-B41D-1BC8CD0D817E}" type="slidenum">
               <a:rPr lang="de-DE" smtClean="0"/>
               <a:pPr/>
-              <a:t>7</a:t>
+              <a:t>6</a:t>
             </a:fld>
             <a:endParaRPr lang="de-DE"/>
           </a:p>
@@ -1377,19 +1605,28 @@
           <a:p>
             <a:r>
               <a:rPr lang="de-DE" dirty="0" smtClean="0"/>
-              <a:t>Wurde mit Blender im</a:t>
+              <a:t>Blauverschiebung entsteht</a:t>
             </a:r>
             <a:r>
               <a:rPr lang="de-DE" baseline="0" dirty="0" smtClean="0"/>
-              <a:t> Rahmen eines Texturing-</a:t>
+              <a:t> durch die Z-Ausrichtung der Normalen innerhalb der RGB-Werte (hoher Z-Anteil)</a:t>
+            </a:r>
+          </a:p>
+          <a:p>
+            <a:endParaRPr lang="de-DE" baseline="0" dirty="0" smtClean="0"/>
+          </a:p>
+          <a:p>
+            <a:r>
+              <a:rPr lang="de-DE" baseline="0" dirty="0" smtClean="0"/>
+              <a:t>Farbvektor ist </a:t>
             </a:r>
             <a:r>
               <a:rPr lang="de-DE" baseline="0" dirty="0" err="1" smtClean="0"/>
-              <a:t>Tutorials</a:t>
+              <a:t>ansich</a:t>
             </a:r>
             <a:r>
               <a:rPr lang="de-DE" baseline="0" dirty="0" smtClean="0"/>
-              <a:t> erstellt</a:t>
+              <a:t> schon ein normierter Vektor durch RGB-Werte von 0-1</a:t>
             </a:r>
             <a:endParaRPr lang="de-DE" dirty="0"/>
           </a:p>
@@ -1413,7 +1650,7 @@
             <a:fld id="{22D9D2A5-055C-4A88-B41D-1BC8CD0D817E}" type="slidenum">
               <a:rPr lang="de-DE" smtClean="0"/>
               <a:pPr/>
-              <a:t>8</a:t>
+              <a:t>7</a:t>
             </a:fld>
             <a:endParaRPr lang="de-DE"/>
           </a:p>
@@ -1474,64 +1711,20 @@
           <a:lstStyle/>
           <a:p>
             <a:r>
-              <a:rPr lang="de-DE" dirty="0" err="1" smtClean="0"/>
-              <a:t>Lichsicht</a:t>
-            </a:r>
-            <a:r>
               <a:rPr lang="de-DE" dirty="0" smtClean="0"/>
-              <a:t>: Tiefeninformationen</a:t>
+              <a:t>Wurde mit Blender im</a:t>
             </a:r>
             <a:r>
               <a:rPr lang="de-DE" baseline="0" dirty="0" smtClean="0"/>
-              <a:t> werden in einer Textur gespeichert -&gt; </a:t>
+              <a:t> Rahmen eines Texturing-</a:t>
             </a:r>
             <a:r>
               <a:rPr lang="de-DE" baseline="0" dirty="0" err="1" smtClean="0"/>
-              <a:t>Shadowmap</a:t>
+              <a:t>Tutorials</a:t>
             </a:r>
             <a:r>
               <a:rPr lang="de-DE" baseline="0" dirty="0" smtClean="0"/>
-              <a:t> -&gt; </a:t>
-            </a:r>
-            <a:r>
-              <a:rPr lang="de-DE" baseline="0" dirty="0" err="1" smtClean="0"/>
-              <a:t>Depthmap</a:t>
-            </a:r>
-            <a:endParaRPr lang="de-DE" baseline="0" dirty="0" smtClean="0"/>
-          </a:p>
-          <a:p>
-            <a:endParaRPr lang="de-DE" baseline="0" dirty="0" smtClean="0"/>
-          </a:p>
-          <a:p>
-            <a:r>
-              <a:rPr lang="de-DE" baseline="0" dirty="0" smtClean="0"/>
-              <a:t>Kamerasicht: Map auf Scene projizieren </a:t>
-            </a:r>
-          </a:p>
-          <a:p>
-            <a:endParaRPr lang="de-DE" baseline="0" dirty="0" smtClean="0"/>
-          </a:p>
-          <a:p>
-            <a:r>
-              <a:rPr lang="de-DE" baseline="0" dirty="0" smtClean="0"/>
-              <a:t>Fragmente ins Koordinatensystem der Lichtquelle transformieren</a:t>
-            </a:r>
-          </a:p>
-          <a:p>
-            <a:endParaRPr lang="de-DE" baseline="0" dirty="0" smtClean="0"/>
-          </a:p>
-          <a:p>
-            <a:r>
-              <a:rPr lang="de-DE" baseline="0" dirty="0" smtClean="0"/>
-              <a:t>Testen wir ob die aktuelle Tiefe des Fragments größer ist als die in der </a:t>
-            </a:r>
-            <a:r>
-              <a:rPr lang="de-DE" baseline="0" dirty="0" err="1" smtClean="0"/>
-              <a:t>Depthmap</a:t>
-            </a:r>
-            <a:r>
-              <a:rPr lang="de-DE" baseline="0" dirty="0" smtClean="0"/>
-              <a:t> gespeichert Tiefe ist</a:t>
+              <a:t> erstellt</a:t>
             </a:r>
             <a:endParaRPr lang="de-DE" dirty="0"/>
           </a:p>
@@ -1555,7 +1748,7 @@
             <a:fld id="{22D9D2A5-055C-4A88-B41D-1BC8CD0D817E}" type="slidenum">
               <a:rPr lang="de-DE" smtClean="0"/>
               <a:pPr/>
-              <a:t>9</a:t>
+              <a:t>8</a:t>
             </a:fld>
             <a:endParaRPr lang="de-DE"/>
           </a:p>
@@ -1616,36 +1809,38 @@
           <a:lstStyle/>
           <a:p>
             <a:r>
+              <a:rPr lang="de-DE" dirty="0" err="1" smtClean="0"/>
+              <a:t>Lichsicht</a:t>
+            </a:r>
+            <a:r>
               <a:rPr lang="de-DE" dirty="0" smtClean="0"/>
-              <a:t>Distanzermittlung </a:t>
-            </a:r>
-            <a:r>
-              <a:rPr lang="de-DE" dirty="0" err="1" smtClean="0"/>
-              <a:t>finded</a:t>
-            </a:r>
-            <a:r>
-              <a:rPr lang="de-DE" dirty="0" smtClean="0"/>
-              <a:t> letztendlich</a:t>
+              <a:t>: Tiefeninformationen</a:t>
             </a:r>
             <a:r>
               <a:rPr lang="de-DE" baseline="0" dirty="0" smtClean="0"/>
-              <a:t> nur durch die Überprüfung des Z-Werts (Tiefenwerts) zwischen </a:t>
+              <a:t> werden in einer Textur gespeichert -&gt; </a:t>
             </a:r>
             <a:r>
               <a:rPr lang="de-DE" baseline="0" dirty="0" err="1" smtClean="0"/>
-              <a:t>fragment</a:t>
+              <a:t>Shadowmap</a:t>
             </a:r>
             <a:r>
               <a:rPr lang="de-DE" baseline="0" dirty="0" smtClean="0"/>
-              <a:t> und </a:t>
+              <a:t> -&gt; </a:t>
             </a:r>
             <a:r>
               <a:rPr lang="de-DE" baseline="0" dirty="0" err="1" smtClean="0"/>
-              <a:t>depthmap</a:t>
-            </a:r>
+              <a:t>Depthmap</a:t>
+            </a:r>
+            <a:endParaRPr lang="de-DE" baseline="0" dirty="0" smtClean="0"/>
+          </a:p>
+          <a:p>
+            <a:endParaRPr lang="de-DE" baseline="0" dirty="0" smtClean="0"/>
+          </a:p>
+          <a:p>
             <a:r>
               <a:rPr lang="de-DE" baseline="0" dirty="0" smtClean="0"/>
-              <a:t> statt</a:t>
+              <a:t>Kamerasicht: Map auf Scene projizieren </a:t>
             </a:r>
           </a:p>
           <a:p>
@@ -1654,99 +1849,25 @@
           <a:p>
             <a:r>
               <a:rPr lang="de-DE" baseline="0" dirty="0" smtClean="0"/>
-              <a:t>Überprüfung des Fragments findet im Light- Clip Space statt (MVP-Light * vec4(</a:t>
+              <a:t>Fragmente ins Koordinatensystem der Lichtquelle transformieren</a:t>
+            </a:r>
+          </a:p>
+          <a:p>
+            <a:endParaRPr lang="de-DE" baseline="0" dirty="0" smtClean="0"/>
+          </a:p>
+          <a:p>
+            <a:r>
+              <a:rPr lang="de-DE" baseline="0" dirty="0" smtClean="0"/>
+              <a:t>Testen wir ob die aktuelle Tiefe des Fragments größer ist als die in der </a:t>
             </a:r>
             <a:r>
               <a:rPr lang="de-DE" baseline="0" dirty="0" err="1" smtClean="0"/>
-              <a:t>pos</a:t>
+              <a:t>Depthmap</a:t>
             </a:r>
             <a:r>
               <a:rPr lang="de-DE" baseline="0" dirty="0" smtClean="0"/>
-              <a:t>)) -&gt; im VS</a:t>
-            </a:r>
-          </a:p>
-          <a:p>
-            <a:endParaRPr lang="de-DE" baseline="0" dirty="0" smtClean="0"/>
-          </a:p>
-          <a:p>
-            <a:r>
-              <a:rPr lang="de-DE" sz="1200" kern="1200" baseline="0" dirty="0" err="1" smtClean="0">
-                <a:solidFill>
-                  <a:schemeClr val="tx1"/>
-                </a:solidFill>
-                <a:latin typeface="+mn-lt"/>
-                <a:ea typeface="+mn-ea"/>
-                <a:cs typeface="+mn-cs"/>
-              </a:rPr>
-              <a:t>if</a:t>
-            </a:r>
-            <a:r>
-              <a:rPr lang="de-DE" sz="1200" kern="1200" baseline="0" dirty="0" smtClean="0">
-                <a:solidFill>
-                  <a:schemeClr val="tx1"/>
-                </a:solidFill>
-                <a:latin typeface="+mn-lt"/>
-                <a:ea typeface="+mn-ea"/>
-                <a:cs typeface="+mn-cs"/>
-              </a:rPr>
-              <a:t> (</a:t>
-            </a:r>
-            <a:r>
-              <a:rPr lang="de-DE" sz="1200" kern="1200" baseline="0" dirty="0" err="1" smtClean="0">
-                <a:solidFill>
-                  <a:schemeClr val="tx1"/>
-                </a:solidFill>
-                <a:latin typeface="+mn-lt"/>
-                <a:ea typeface="+mn-ea"/>
-                <a:cs typeface="+mn-cs"/>
-              </a:rPr>
-              <a:t>proj.z</a:t>
-            </a:r>
-            <a:r>
-              <a:rPr lang="de-DE" sz="1200" kern="1200" baseline="0" dirty="0" smtClean="0">
-                <a:solidFill>
-                  <a:schemeClr val="tx1"/>
-                </a:solidFill>
-                <a:latin typeface="+mn-lt"/>
-                <a:ea typeface="+mn-ea"/>
-                <a:cs typeface="+mn-cs"/>
-              </a:rPr>
-              <a:t>&gt; </a:t>
-            </a:r>
-            <a:r>
-              <a:rPr lang="de-DE" sz="1200" kern="1200" baseline="0" dirty="0" err="1" smtClean="0">
-                <a:solidFill>
-                  <a:schemeClr val="tx1"/>
-                </a:solidFill>
-                <a:latin typeface="+mn-lt"/>
-                <a:ea typeface="+mn-ea"/>
-                <a:cs typeface="+mn-cs"/>
-              </a:rPr>
-              <a:t>shadowCol.z</a:t>
-            </a:r>
-            <a:r>
-              <a:rPr lang="de-DE" sz="1200" kern="1200" baseline="0" dirty="0" smtClean="0">
-                <a:solidFill>
-                  <a:schemeClr val="tx1"/>
-                </a:solidFill>
-                <a:latin typeface="+mn-lt"/>
-                <a:ea typeface="+mn-ea"/>
-                <a:cs typeface="+mn-cs"/>
-              </a:rPr>
-              <a:t>) finalCol.rgb*= 0.5; </a:t>
-            </a:r>
-            <a:endParaRPr lang="de-DE" baseline="0" dirty="0" smtClean="0"/>
-          </a:p>
-          <a:p>
-            <a:endParaRPr lang="de-DE" baseline="0" dirty="0" smtClean="0"/>
-          </a:p>
-          <a:p>
-            <a:r>
-              <a:rPr lang="de-DE" baseline="0" dirty="0" smtClean="0"/>
-              <a:t>Ausgehend von einer Lichtquelle</a:t>
-            </a:r>
-          </a:p>
-          <a:p>
+              <a:t> gespeichert Tiefe ist</a:t>
+            </a:r>
             <a:endParaRPr lang="de-DE" dirty="0"/>
           </a:p>
         </p:txBody>
@@ -1769,7 +1890,7 @@
             <a:fld id="{22D9D2A5-055C-4A88-B41D-1BC8CD0D817E}" type="slidenum">
               <a:rPr lang="de-DE" smtClean="0"/>
               <a:pPr/>
-              <a:t>10</a:t>
+              <a:t>9</a:t>
             </a:fld>
             <a:endParaRPr lang="de-DE"/>
           </a:p>
@@ -5017,7 +5138,7 @@
           <p:nvPr/>
         </p:nvPicPr>
         <p:blipFill>
-          <a:blip r:embed="rId2" cstate="print"/>
+          <a:blip r:embed="rId3" cstate="print"/>
           <a:srcRect/>
           <a:stretch>
             <a:fillRect/>
@@ -5679,13 +5800,8 @@
             </a:r>
             <a:r>
               <a:rPr lang="de-DE" sz="2600" dirty="0" smtClean="0"/>
-              <a:t> (Filter) </a:t>
-            </a:r>
-            <a:r>
-              <a:rPr lang="de-DE" sz="2600" dirty="0" smtClean="0"/>
-              <a:t>berechnet wird</a:t>
-            </a:r>
-            <a:endParaRPr lang="de-DE" sz="2600" dirty="0" smtClean="0"/>
+              <a:t> (Filter) berechnet wird</a:t>
+            </a:r>
           </a:p>
           <a:p>
             <a:endParaRPr lang="de-DE" sz="2600" dirty="0" smtClean="0"/>
@@ -6257,15 +6373,7 @@
             <a:pPr lvl="1"/>
             <a:r>
               <a:rPr lang="de-DE" sz="2200" dirty="0" smtClean="0"/>
-              <a:t>Wird oft für Welleneffekt </a:t>
-            </a:r>
-            <a:r>
-              <a:rPr lang="de-DE" sz="2200" dirty="0" smtClean="0"/>
-              <a:t>(Wasser) </a:t>
-            </a:r>
-            <a:r>
-              <a:rPr lang="de-DE" sz="2200" dirty="0" smtClean="0"/>
-              <a:t>verwendet</a:t>
+              <a:t>Wird oft für Welleneffekt (Wasser) verwendet</a:t>
             </a:r>
           </a:p>
           <a:p>
@@ -6752,15 +6860,7 @@
           <a:p>
             <a:r>
               <a:rPr lang="de-DE" sz="2600" dirty="0" smtClean="0"/>
-              <a:t>Pro Fragment </a:t>
-            </a:r>
-            <a:r>
-              <a:rPr lang="de-DE" sz="2600" dirty="0" smtClean="0"/>
-              <a:t>eine </a:t>
-            </a:r>
-            <a:r>
-              <a:rPr lang="de-DE" sz="2600" dirty="0" smtClean="0"/>
-              <a:t>Normale</a:t>
+              <a:t>Pro Fragment eine Normale</a:t>
             </a:r>
           </a:p>
           <a:p>
@@ -6787,20 +6887,12 @@
               <a:rPr lang="de-DE" sz="2600" dirty="0" smtClean="0"/>
               <a:t>, </a:t>
             </a:r>
-            <a:r>
-              <a:rPr lang="de-DE" sz="2600" dirty="0" smtClean="0"/>
-              <a:t/>
-            </a:r>
             <a:br>
               <a:rPr lang="de-DE" sz="2600" dirty="0" smtClean="0"/>
             </a:br>
             <a:r>
               <a:rPr lang="de-DE" sz="2600" dirty="0" err="1" smtClean="0"/>
-              <a:t>Binormale</a:t>
-            </a:r>
-            <a:r>
-              <a:rPr lang="de-DE" sz="2600" dirty="0" err="1" smtClean="0"/>
-              <a:t>n</a:t>
+              <a:t>Binormalen</a:t>
             </a:r>
             <a:r>
               <a:rPr lang="de-DE" sz="2600" dirty="0" smtClean="0"/>
@@ -6817,10 +6909,6 @@
             <a:r>
               <a:rPr lang="de-DE" sz="2600" dirty="0" smtClean="0"/>
               <a:t> </a:t>
-            </a:r>
-            <a:r>
-              <a:rPr lang="de-DE" sz="2600" dirty="0" smtClean="0"/>
-              <a:t/>
             </a:r>
             <a:br>
               <a:rPr lang="de-DE" sz="2600" dirty="0" smtClean="0"/>
@@ -7013,11 +7101,7 @@
             </a:r>
             <a:r>
               <a:rPr lang="de-DE" sz="2200" dirty="0" smtClean="0"/>
-              <a:t> </a:t>
-            </a:r>
-            <a:r>
-              <a:rPr lang="de-DE" sz="2200" dirty="0" smtClean="0"/>
-              <a:t>-&gt; (</a:t>
+              <a:t> -&gt; (</a:t>
             </a:r>
             <a:r>
               <a:rPr lang="de-DE" sz="2200" dirty="0" err="1" smtClean="0"/>
@@ -7647,15 +7731,7 @@
             </a:r>
             <a:r>
               <a:rPr lang="de-DE" sz="2000" dirty="0" smtClean="0"/>
-              <a:t>: </a:t>
-            </a:r>
-            <a:r>
-              <a:rPr lang="de-DE" sz="2000" dirty="0" smtClean="0"/>
-              <a:t>Lokaler Raum ausgehend von der Oberfläche des </a:t>
-            </a:r>
-            <a:r>
-              <a:rPr lang="de-DE" sz="2000" dirty="0" smtClean="0"/>
-              <a:t>Modells</a:t>
+              <a:t>: Lokaler Raum ausgehend von der Oberfläche des Modells</a:t>
             </a:r>
           </a:p>
         </p:txBody>
@@ -8108,11 +8184,7 @@
           <a:p>
             <a:r>
               <a:rPr lang="de-DE" sz="2000" dirty="0" smtClean="0"/>
-              <a:t>RGB-Farbinformationen werden als Normalen </a:t>
-            </a:r>
-            <a:r>
-              <a:rPr lang="de-DE" sz="2000" dirty="0" smtClean="0"/>
-              <a:t>verwendet</a:t>
+              <a:t>RGB-Farbinformationen werden als Normalen verwendet</a:t>
             </a:r>
           </a:p>
           <a:p>
@@ -8134,7 +8206,6 @@
               <a:rPr lang="de-DE" sz="2000" dirty="0" smtClean="0"/>
               <a:t>Farbvektoren sind schon normalisiert (0-1)</a:t>
             </a:r>
-            <a:endParaRPr lang="de-DE" sz="2000" dirty="0" smtClean="0"/>
           </a:p>
         </p:txBody>
       </p:sp>
